--- a/2D게임프로그래밍.pptx
+++ b/2D게임프로그래밍.pptx
@@ -109,6 +109,11 @@
       </a:defRPr>
     </a:lvl9pPr>
   </p:defaultTextStyle>
+  <p:extLst>
+    <p:ext uri="{EFAFB233-063F-42B5-8137-9DF3F51BA10A}">
+      <p15:sldGuideLst xmlns:p15="http://schemas.microsoft.com/office/powerpoint/2012/main"/>
+    </p:ext>
+  </p:extLst>
 </p:presentation>
 </file>
 
@@ -3130,7 +3135,7 @@
           <a:p>
             <a:fld id="{82EDB8D0-98ED-4B86-9D5F-E61ADC70144D}" type="datetimeFigureOut">
               <a:rPr lang="en-US" smtClean="0"/>
-              <a:t>9/24/2022</a:t>
+              <a:t>9/26/2022</a:t>
             </a:fld>
             <a:endParaRPr lang="en-US" dirty="0"/>
           </a:p>
@@ -3545,7 +3550,7 @@
           <a:p>
             <a:fld id="{82EDB8D0-98ED-4B86-9D5F-E61ADC70144D}" type="datetimeFigureOut">
               <a:rPr lang="en-US" smtClean="0"/>
-              <a:t>9/24/2022</a:t>
+              <a:t>9/26/2022</a:t>
             </a:fld>
             <a:endParaRPr lang="en-US"/>
           </a:p>
@@ -4037,7 +4042,7 @@
           <a:p>
             <a:fld id="{82EDB8D0-98ED-4B86-9D5F-E61ADC70144D}" type="datetimeFigureOut">
               <a:rPr lang="en-US" smtClean="0"/>
-              <a:t>9/24/2022</a:t>
+              <a:t>9/26/2022</a:t>
             </a:fld>
             <a:endParaRPr lang="en-US"/>
           </a:p>
@@ -4524,7 +4529,7 @@
           <a:p>
             <a:fld id="{82EDB8D0-98ED-4B86-9D5F-E61ADC70144D}" type="datetimeFigureOut">
               <a:rPr lang="en-US" smtClean="0"/>
-              <a:t>9/24/2022</a:t>
+              <a:t>9/26/2022</a:t>
             </a:fld>
             <a:endParaRPr lang="en-US" dirty="0"/>
           </a:p>
@@ -5293,7 +5298,7 @@
           <a:p>
             <a:fld id="{82EDB8D0-98ED-4B86-9D5F-E61ADC70144D}" type="datetimeFigureOut">
               <a:rPr lang="en-US" smtClean="0"/>
-              <a:t>9/24/2022</a:t>
+              <a:t>9/26/2022</a:t>
             </a:fld>
             <a:endParaRPr lang="en-US"/>
           </a:p>
@@ -5775,7 +5780,7 @@
           <a:p>
             <a:fld id="{82EDB8D0-98ED-4B86-9D5F-E61ADC70144D}" type="datetimeFigureOut">
               <a:rPr lang="en-US" smtClean="0"/>
-              <a:t>9/24/2022</a:t>
+              <a:t>9/26/2022</a:t>
             </a:fld>
             <a:endParaRPr lang="en-US"/>
           </a:p>
@@ -6471,7 +6476,7 @@
           <a:p>
             <a:fld id="{82EDB8D0-98ED-4B86-9D5F-E61ADC70144D}" type="datetimeFigureOut">
               <a:rPr lang="en-US" smtClean="0"/>
-              <a:t>9/24/2022</a:t>
+              <a:t>9/26/2022</a:t>
             </a:fld>
             <a:endParaRPr lang="en-US"/>
           </a:p>
@@ -6896,7 +6901,7 @@
           <a:p>
             <a:fld id="{82EDB8D0-98ED-4B86-9D5F-E61ADC70144D}" type="datetimeFigureOut">
               <a:rPr lang="en-US" smtClean="0"/>
-              <a:t>9/24/2022</a:t>
+              <a:t>9/26/2022</a:t>
             </a:fld>
             <a:endParaRPr lang="en-US"/>
           </a:p>
@@ -7293,7 +7298,7 @@
           <a:p>
             <a:fld id="{82EDB8D0-98ED-4B86-9D5F-E61ADC70144D}" type="datetimeFigureOut">
               <a:rPr lang="en-US" smtClean="0"/>
-              <a:t>9/24/2022</a:t>
+              <a:t>9/26/2022</a:t>
             </a:fld>
             <a:endParaRPr lang="en-US"/>
           </a:p>
@@ -7888,7 +7893,7 @@
           <a:p>
             <a:fld id="{82EDB8D0-98ED-4B86-9D5F-E61ADC70144D}" type="datetimeFigureOut">
               <a:rPr lang="en-US" smtClean="0"/>
-              <a:t>9/24/2022</a:t>
+              <a:t>9/26/2022</a:t>
             </a:fld>
             <a:endParaRPr lang="en-US"/>
           </a:p>
@@ -8463,7 +8468,7 @@
           <a:p>
             <a:fld id="{82EDB8D0-98ED-4B86-9D5F-E61ADC70144D}" type="datetimeFigureOut">
               <a:rPr lang="en-US" smtClean="0"/>
-              <a:t>9/24/2022</a:t>
+              <a:t>9/26/2022</a:t>
             </a:fld>
             <a:endParaRPr lang="en-US"/>
           </a:p>
@@ -8986,7 +8991,7 @@
             <a:fld id="{82EDB8D0-98ED-4B86-9D5F-E61ADC70144D}" type="datetimeFigureOut">
               <a:rPr lang="en-US" smtClean="0"/>
               <a:pPr/>
-              <a:t>9/24/2022</a:t>
+              <a:t>9/26/2022</a:t>
             </a:fld>
             <a:endParaRPr lang="en-US" dirty="0"/>
           </a:p>
@@ -10291,7 +10296,7 @@
             <p:ph idx="1"/>
             <p:extLst>
               <p:ext uri="{D42A27DB-BD31-4B8C-83A1-F6EECF244321}">
-                <p14:modId xmlns:p14="http://schemas.microsoft.com/office/powerpoint/2010/main" val="4082633130"/>
+                <p14:modId xmlns:p14="http://schemas.microsoft.com/office/powerpoint/2010/main" val="971676056"/>
               </p:ext>
             </p:extLst>
           </p:nvPr>
@@ -10541,7 +10546,23 @@
                       </a:r>
                       <a:r>
                         <a:rPr lang="ko-KR" altLang="en-US" sz="1200" dirty="0"/>
-                        <a:t> 벽 설치 가능</a:t>
+                        <a:t> 벽</a:t>
+                      </a:r>
+                      <a:r>
+                        <a:rPr lang="en-US" altLang="ko-KR" sz="1200" dirty="0"/>
+                        <a:t>(</a:t>
+                      </a:r>
+                      <a:r>
+                        <a:rPr lang="ko-KR" altLang="en-US" sz="1200" dirty="0"/>
+                        <a:t>바리케이드</a:t>
+                      </a:r>
+                      <a:r>
+                        <a:rPr lang="en-US" altLang="ko-KR" sz="1200" dirty="0"/>
+                        <a:t>)</a:t>
+                      </a:r>
+                      <a:r>
+                        <a:rPr lang="ko-KR" altLang="en-US" sz="1200" dirty="0"/>
+                        <a:t> 설치 가능</a:t>
                       </a:r>
                     </a:p>
                   </a:txBody>
@@ -10555,7 +10576,7 @@
                       <a:pPr latinLnBrk="1"/>
                       <a:r>
                         <a:rPr lang="ko-KR" altLang="en-US" sz="1200" dirty="0"/>
-                        <a:t>제한된 수량이 아닌 적을 잡고 랜덤으로 나오는 모드 추가</a:t>
+                        <a:t>제한된 수량이 아닌 적을 잡고 랜덤으로 나오는 장비 추가</a:t>
                       </a:r>
                     </a:p>
                   </a:txBody>
@@ -10598,7 +10619,7 @@
                       </a:r>
                       <a:r>
                         <a:rPr lang="ko-KR" altLang="en-US" sz="1200" dirty="0" err="1"/>
-                        <a:t>비어있는</a:t>
+                        <a:t>뚤려있는</a:t>
                       </a:r>
                       <a:r>
                         <a:rPr lang="ko-KR" altLang="en-US" sz="1200" dirty="0"/>
@@ -10668,15 +10689,7 @@
                       <a:pPr latinLnBrk="1"/>
                       <a:r>
                         <a:rPr lang="ko-KR" altLang="en-US" sz="1200" dirty="0"/>
-                        <a:t>울타리가 </a:t>
-                      </a:r>
-                      <a:r>
-                        <a:rPr lang="ko-KR" altLang="en-US" sz="1200" dirty="0" err="1"/>
-                        <a:t>비어있는</a:t>
-                      </a:r>
-                      <a:r>
-                        <a:rPr lang="ko-KR" altLang="en-US" sz="1200" dirty="0"/>
-                        <a:t> 곳에서 나와 캐릭터를 향해 최단거리 이동</a:t>
+                        <a:t>특정 위치에서 나와 캐릭터를 향해 최단거리 이동</a:t>
                       </a:r>
                       <a:endParaRPr lang="en-US" altLang="ko-KR" sz="1200" dirty="0"/>
                     </a:p>
@@ -10684,7 +10697,7 @@
                       <a:pPr latinLnBrk="1"/>
                       <a:r>
                         <a:rPr lang="ko-KR" altLang="en-US" sz="1200" dirty="0"/>
-                        <a:t>캐릭터에게 향하는 길이 완전히 막히면 벽을 파괴하고 이동</a:t>
+                        <a:t>캐릭터에게 향하는 길이 막히면 벽을 파괴하고 이동</a:t>
                       </a:r>
                       <a:endParaRPr lang="en-US" altLang="ko-KR" sz="1200" dirty="0"/>
                     </a:p>
@@ -12783,7 +12796,7 @@
           <p:nvPr>
             <p:extLst>
               <p:ext uri="{D42A27DB-BD31-4B8C-83A1-F6EECF244321}">
-                <p14:modId xmlns:p14="http://schemas.microsoft.com/office/powerpoint/2010/main" val="121163595"/>
+                <p14:modId xmlns:p14="http://schemas.microsoft.com/office/powerpoint/2010/main" val="2087732775"/>
               </p:ext>
             </p:extLst>
           </p:nvPr>
@@ -12895,13 +12908,8 @@
                       <a:pPr algn="l" latinLnBrk="1"/>
                       <a:r>
                         <a:rPr lang="ko-KR" altLang="en-US" dirty="0"/>
-                        <a:t>추가 구현</a:t>
-                      </a:r>
-                      <a:endParaRPr lang="en-US" altLang="ko-KR" dirty="0"/>
-                    </a:p>
-                    <a:p>
-                      <a:pPr algn="l" latinLnBrk="1"/>
-                      <a:endParaRPr lang="ko-KR" altLang="en-US" dirty="0"/>
+                        <a:t>중간 점검</a:t>
+                      </a:r>
                     </a:p>
                   </a:txBody>
                   <a:tcPr/>
@@ -13000,13 +13008,8 @@
                       <a:pPr algn="l" latinLnBrk="1"/>
                       <a:r>
                         <a:rPr lang="ko-KR" altLang="en-US" dirty="0"/>
-                        <a:t>메뉴 구현</a:t>
-                      </a:r>
-                      <a:endParaRPr lang="en-US" altLang="ko-KR" dirty="0"/>
-                    </a:p>
-                    <a:p>
-                      <a:pPr algn="l" latinLnBrk="1"/>
-                      <a:endParaRPr lang="ko-KR" altLang="en-US" dirty="0"/>
+                        <a:t>메뉴 및 추가구현</a:t>
+                      </a:r>
                     </a:p>
                   </a:txBody>
                   <a:tcPr/>
@@ -13141,7 +13144,7 @@
                       <a:pPr algn="l" latinLnBrk="1"/>
                       <a:r>
                         <a:rPr lang="ko-KR" altLang="en-US" dirty="0"/>
-                        <a:t>중간 점검</a:t>
+                        <a:t>추가 구현</a:t>
                       </a:r>
                       <a:endParaRPr lang="en-US" altLang="ko-KR" dirty="0"/>
                     </a:p>
